--- a/Data Model.pptx
+++ b/Data Model.pptx
@@ -104,6 +104,11 @@
       </a:defRPr>
     </a:lvl9pPr>
   </p:defaultTextStyle>
+  <p:extLst>
+    <p:ext uri="{EFAFB233-063F-42B5-8137-9DF3F51BA10A}">
+      <p15:sldGuideLst xmlns:p15="http://schemas.microsoft.com/office/powerpoint/2012/main"/>
+    </p:ext>
+  </p:extLst>
 </p:presentation>
 </file>
 
@@ -254,7 +259,7 @@
           <a:p>
             <a:fld id="{98A85023-D9DD-4A64-A6A0-A4C20F8909B2}" type="datetimeFigureOut">
               <a:rPr lang="nl-NL" smtClean="0"/>
-              <a:t>18-12-2021</a:t>
+              <a:t>20-12-2021</a:t>
             </a:fld>
             <a:endParaRPr lang="nl-NL"/>
           </a:p>
@@ -452,7 +457,7 @@
           <a:p>
             <a:fld id="{98A85023-D9DD-4A64-A6A0-A4C20F8909B2}" type="datetimeFigureOut">
               <a:rPr lang="nl-NL" smtClean="0"/>
-              <a:t>18-12-2021</a:t>
+              <a:t>20-12-2021</a:t>
             </a:fld>
             <a:endParaRPr lang="nl-NL"/>
           </a:p>
@@ -660,7 +665,7 @@
           <a:p>
             <a:fld id="{98A85023-D9DD-4A64-A6A0-A4C20F8909B2}" type="datetimeFigureOut">
               <a:rPr lang="nl-NL" smtClean="0"/>
-              <a:t>18-12-2021</a:t>
+              <a:t>20-12-2021</a:t>
             </a:fld>
             <a:endParaRPr lang="nl-NL"/>
           </a:p>
@@ -858,7 +863,7 @@
           <a:p>
             <a:fld id="{98A85023-D9DD-4A64-A6A0-A4C20F8909B2}" type="datetimeFigureOut">
               <a:rPr lang="nl-NL" smtClean="0"/>
-              <a:t>18-12-2021</a:t>
+              <a:t>20-12-2021</a:t>
             </a:fld>
             <a:endParaRPr lang="nl-NL"/>
           </a:p>
@@ -1133,7 +1138,7 @@
           <a:p>
             <a:fld id="{98A85023-D9DD-4A64-A6A0-A4C20F8909B2}" type="datetimeFigureOut">
               <a:rPr lang="nl-NL" smtClean="0"/>
-              <a:t>18-12-2021</a:t>
+              <a:t>20-12-2021</a:t>
             </a:fld>
             <a:endParaRPr lang="nl-NL"/>
           </a:p>
@@ -1398,7 +1403,7 @@
           <a:p>
             <a:fld id="{98A85023-D9DD-4A64-A6A0-A4C20F8909B2}" type="datetimeFigureOut">
               <a:rPr lang="nl-NL" smtClean="0"/>
-              <a:t>18-12-2021</a:t>
+              <a:t>20-12-2021</a:t>
             </a:fld>
             <a:endParaRPr lang="nl-NL"/>
           </a:p>
@@ -1810,7 +1815,7 @@
           <a:p>
             <a:fld id="{98A85023-D9DD-4A64-A6A0-A4C20F8909B2}" type="datetimeFigureOut">
               <a:rPr lang="nl-NL" smtClean="0"/>
-              <a:t>18-12-2021</a:t>
+              <a:t>20-12-2021</a:t>
             </a:fld>
             <a:endParaRPr lang="nl-NL"/>
           </a:p>
@@ -1951,7 +1956,7 @@
           <a:p>
             <a:fld id="{98A85023-D9DD-4A64-A6A0-A4C20F8909B2}" type="datetimeFigureOut">
               <a:rPr lang="nl-NL" smtClean="0"/>
-              <a:t>18-12-2021</a:t>
+              <a:t>20-12-2021</a:t>
             </a:fld>
             <a:endParaRPr lang="nl-NL"/>
           </a:p>
@@ -2064,7 +2069,7 @@
           <a:p>
             <a:fld id="{98A85023-D9DD-4A64-A6A0-A4C20F8909B2}" type="datetimeFigureOut">
               <a:rPr lang="nl-NL" smtClean="0"/>
-              <a:t>18-12-2021</a:t>
+              <a:t>20-12-2021</a:t>
             </a:fld>
             <a:endParaRPr lang="nl-NL"/>
           </a:p>
@@ -2375,7 +2380,7 @@
           <a:p>
             <a:fld id="{98A85023-D9DD-4A64-A6A0-A4C20F8909B2}" type="datetimeFigureOut">
               <a:rPr lang="nl-NL" smtClean="0"/>
-              <a:t>18-12-2021</a:t>
+              <a:t>20-12-2021</a:t>
             </a:fld>
             <a:endParaRPr lang="nl-NL"/>
           </a:p>
@@ -2663,7 +2668,7 @@
           <a:p>
             <a:fld id="{98A85023-D9DD-4A64-A6A0-A4C20F8909B2}" type="datetimeFigureOut">
               <a:rPr lang="nl-NL" smtClean="0"/>
-              <a:t>18-12-2021</a:t>
+              <a:t>20-12-2021</a:t>
             </a:fld>
             <a:endParaRPr lang="nl-NL"/>
           </a:p>
@@ -2904,7 +2909,7 @@
           <a:p>
             <a:fld id="{98A85023-D9DD-4A64-A6A0-A4C20F8909B2}" type="datetimeFigureOut">
               <a:rPr lang="nl-NL" smtClean="0"/>
-              <a:t>18-12-2021</a:t>
+              <a:t>20-12-2021</a:t>
             </a:fld>
             <a:endParaRPr lang="nl-NL"/>
           </a:p>
@@ -3364,21 +3369,21 @@
           <a:p>
             <a:pPr algn="ctr"/>
             <a:r>
-              <a:rPr lang="nl-NL" dirty="0"/>
+              <a:rPr lang="nl-NL" sz="1100" dirty="0"/>
               <a:t>Offer</a:t>
             </a:r>
           </a:p>
           <a:p>
             <a:pPr algn="ctr"/>
             <a:r>
-              <a:rPr lang="nl-NL" dirty="0"/>
+              <a:rPr lang="nl-NL" sz="1100" dirty="0"/>
               <a:t>Type</a:t>
             </a:r>
           </a:p>
           <a:p>
             <a:pPr algn="ctr"/>
             <a:r>
-              <a:rPr lang="nl-NL" dirty="0"/>
+              <a:rPr lang="nl-NL" sz="1100" dirty="0"/>
               <a:t>periode</a:t>
             </a:r>
           </a:p>
@@ -3398,8 +3403,8 @@
         </p:nvSpPr>
         <p:spPr>
           <a:xfrm>
-            <a:off x="1325460" y="3340217"/>
-            <a:ext cx="2315362" cy="1317071"/>
+            <a:off x="1325460" y="3074886"/>
+            <a:ext cx="2315362" cy="2113063"/>
           </a:xfrm>
           <a:prstGeom prst="rect">
             <a:avLst/>
@@ -3427,31 +3432,89 @@
           <a:p>
             <a:pPr algn="ctr"/>
             <a:r>
-              <a:rPr lang="nl-NL" dirty="0"/>
+              <a:rPr lang="nl-NL" sz="900" dirty="0"/>
               <a:t>Product</a:t>
             </a:r>
           </a:p>
           <a:p>
             <a:pPr algn="ctr"/>
             <a:r>
-              <a:rPr lang="nl-NL" dirty="0" err="1"/>
+              <a:rPr lang="nl-NL" sz="900" dirty="0" err="1"/>
               <a:t>Id</a:t>
             </a:r>
-            <a:endParaRPr lang="nl-NL" dirty="0"/>
+            <a:endParaRPr lang="nl-NL" sz="900" dirty="0"/>
           </a:p>
           <a:p>
             <a:pPr algn="ctr"/>
             <a:r>
-              <a:rPr lang="nl-NL" dirty="0"/>
-              <a:t>Omschrijving</a:t>
-            </a:r>
-          </a:p>
-          <a:p>
-            <a:pPr algn="ctr"/>
-            <a:r>
-              <a:rPr lang="nl-NL" dirty="0"/>
-              <a:t>afbeelding</a:t>
-            </a:r>
+              <a:rPr lang="nl-NL" sz="900" dirty="0"/>
+              <a:t>(</a:t>
+            </a:r>
+            <a:r>
+              <a:rPr lang="nl-NL" sz="900" dirty="0" err="1"/>
+              <a:t>rating_id</a:t>
+            </a:r>
+            <a:r>
+              <a:rPr lang="nl-NL" sz="900" dirty="0"/>
+              <a:t>)</a:t>
+            </a:r>
+          </a:p>
+          <a:p>
+            <a:r>
+              <a:rPr lang="nl-NL" sz="900" i="1" dirty="0"/>
+              <a:t>@</a:t>
+            </a:r>
+            <a:r>
+              <a:rPr lang="nl-NL" sz="900" i="1" dirty="0" err="1"/>
+              <a:t>OneToOne</a:t>
+            </a:r>
+            <a:r>
+              <a:rPr lang="nl-NL" sz="900" i="1" dirty="0"/>
+              <a:t>(cascade = </a:t>
+            </a:r>
+            <a:r>
+              <a:rPr lang="nl-NL" sz="900" i="1" dirty="0" err="1"/>
+              <a:t>CascadeType.</a:t>
+            </a:r>
+            <a:r>
+              <a:rPr lang="nl-NL" sz="900" b="1" i="1" dirty="0" err="1"/>
+              <a:t>ALL</a:t>
+            </a:r>
+            <a:r>
+              <a:rPr lang="nl-NL" sz="900" b="1" i="1" dirty="0"/>
+              <a:t>)</a:t>
+            </a:r>
+          </a:p>
+          <a:p>
+            <a:r>
+              <a:rPr lang="en-US" sz="900" i="1" dirty="0"/>
+              <a:t>@</a:t>
+            </a:r>
+            <a:r>
+              <a:rPr lang="en-US" sz="900" i="1" dirty="0" err="1"/>
+              <a:t>JoinColumn</a:t>
+            </a:r>
+            <a:r>
+              <a:rPr lang="en-US" sz="900" i="1" dirty="0"/>
+              <a:t> (name="</a:t>
+            </a:r>
+            <a:r>
+              <a:rPr lang="en-US" sz="900" i="1" dirty="0" err="1"/>
+              <a:t>rating_id</a:t>
+            </a:r>
+            <a:r>
+              <a:rPr lang="en-US" sz="900" i="1" dirty="0"/>
+              <a:t>", </a:t>
+            </a:r>
+            <a:r>
+              <a:rPr lang="en-US" sz="900" i="1" dirty="0" err="1"/>
+              <a:t>referencedColumnName</a:t>
+            </a:r>
+            <a:r>
+              <a:rPr lang="en-US" sz="900" i="1" dirty="0"/>
+              <a:t>="id") </a:t>
+            </a:r>
+            <a:endParaRPr lang="nl-NL" sz="900" dirty="0"/>
           </a:p>
         </p:txBody>
       </p:sp>
@@ -3465,15 +3528,15 @@
             </a:extLst>
           </p:cNvPr>
           <p:cNvCxnSpPr>
+            <a:cxnSpLocks/>
             <a:stCxn id="4" idx="2"/>
-            <a:endCxn id="5" idx="0"/>
           </p:cNvCxnSpPr>
           <p:nvPr/>
         </p:nvCxnSpPr>
         <p:spPr>
           <a:xfrm>
             <a:off x="2483141" y="2751589"/>
-            <a:ext cx="0" cy="588628"/>
+            <a:ext cx="0" cy="323297"/>
           </a:xfrm>
           <a:prstGeom prst="straightConnector1">
             <a:avLst/>
@@ -3540,10 +3603,10 @@
           <a:p>
             <a:pPr algn="ctr"/>
             <a:r>
-              <a:rPr lang="nl-NL" dirty="0" err="1"/>
+              <a:rPr lang="nl-NL" sz="1100" dirty="0" err="1"/>
               <a:t>Recipe</a:t>
             </a:r>
-            <a:endParaRPr lang="nl-NL" dirty="0"/>
+            <a:endParaRPr lang="nl-NL" sz="1100" dirty="0"/>
           </a:p>
         </p:txBody>
       </p:sp>
@@ -3590,10 +3653,10 @@
           <a:p>
             <a:pPr algn="ctr"/>
             <a:r>
-              <a:rPr lang="nl-NL" dirty="0" err="1"/>
+              <a:rPr lang="nl-NL" sz="1100" dirty="0" err="1"/>
               <a:t>Product_Recipe</a:t>
             </a:r>
-            <a:endParaRPr lang="nl-NL" dirty="0"/>
+            <a:endParaRPr lang="nl-NL" sz="1100" dirty="0"/>
           </a:p>
         </p:txBody>
       </p:sp>
@@ -3657,7 +3720,7 @@
         <p:spPr>
           <a:xfrm flipV="1">
             <a:off x="3640822" y="3998752"/>
-            <a:ext cx="1605093" cy="1"/>
+            <a:ext cx="1605093" cy="132666"/>
           </a:xfrm>
           <a:prstGeom prst="straightConnector1">
             <a:avLst/>
@@ -3724,7 +3787,7 @@
           <a:p>
             <a:pPr algn="ctr"/>
             <a:r>
-              <a:rPr lang="nl-NL" dirty="0"/>
+              <a:rPr lang="nl-NL" sz="1100" dirty="0"/>
               <a:t>Rating</a:t>
             </a:r>
           </a:p>
@@ -3748,8 +3811,8 @@
         </p:nvCxnSpPr>
         <p:spPr>
           <a:xfrm>
-            <a:off x="2483141" y="4657288"/>
-            <a:ext cx="0" cy="843794"/>
+            <a:off x="2483141" y="5187949"/>
+            <a:ext cx="0" cy="313133"/>
           </a:xfrm>
           <a:prstGeom prst="line">
             <a:avLst/>

--- a/Data Model.pptx
+++ b/Data Model.pptx
@@ -6,6 +6,13 @@
   </p:sldMasterIdLst>
   <p:sldIdLst>
     <p:sldId id="256" r:id="rId2"/>
+    <p:sldId id="257" r:id="rId3"/>
+    <p:sldId id="258" r:id="rId4"/>
+    <p:sldId id="260" r:id="rId5"/>
+    <p:sldId id="259" r:id="rId6"/>
+    <p:sldId id="261" r:id="rId7"/>
+    <p:sldId id="262" r:id="rId8"/>
+    <p:sldId id="263" r:id="rId9"/>
   </p:sldIdLst>
   <p:sldSz cx="12192000" cy="6858000"/>
   <p:notesSz cx="6858000" cy="9144000"/>
@@ -3847,6 +3854,534 @@
 </p:sld>
 </file>
 
+<file path=ppt/slides/slide2.xml><?xml version="1.0" encoding="utf-8"?>
+<p:sld xmlns:a="http://schemas.openxmlformats.org/drawingml/2006/main" xmlns:r="http://schemas.openxmlformats.org/officeDocument/2006/relationships" xmlns:p="http://schemas.openxmlformats.org/presentationml/2006/main">
+  <p:cSld>
+    <p:spTree>
+      <p:nvGrpSpPr>
+        <p:cNvPr id="1" name=""/>
+        <p:cNvGrpSpPr/>
+        <p:nvPr/>
+      </p:nvGrpSpPr>
+      <p:grpSpPr>
+        <a:xfrm>
+          <a:off x="0" y="0"/>
+          <a:ext cx="0" cy="0"/>
+          <a:chOff x="0" y="0"/>
+          <a:chExt cx="0" cy="0"/>
+        </a:xfrm>
+      </p:grpSpPr>
+      <p:sp>
+        <p:nvSpPr>
+          <p:cNvPr id="2" name="Titel 1">
+            <a:extLst>
+              <a:ext uri="{FF2B5EF4-FFF2-40B4-BE49-F238E27FC236}">
+                <a16:creationId xmlns:a16="http://schemas.microsoft.com/office/drawing/2014/main" id="{4E3D49B0-470D-4F44-9AA1-B3BD095D2CE0}"/>
+              </a:ext>
+            </a:extLst>
+          </p:cNvPr>
+          <p:cNvSpPr>
+            <a:spLocks noGrp="1"/>
+          </p:cNvSpPr>
+          <p:nvPr>
+            <p:ph type="title"/>
+          </p:nvPr>
+        </p:nvSpPr>
+        <p:spPr/>
+        <p:txBody>
+          <a:bodyPr/>
+          <a:lstStyle/>
+          <a:p>
+            <a:endParaRPr lang="nl-NL"/>
+          </a:p>
+        </p:txBody>
+      </p:sp>
+      <p:sp>
+        <p:nvSpPr>
+          <p:cNvPr id="3" name="Tijdelijke aanduiding voor inhoud 2">
+            <a:extLst>
+              <a:ext uri="{FF2B5EF4-FFF2-40B4-BE49-F238E27FC236}">
+                <a16:creationId xmlns:a16="http://schemas.microsoft.com/office/drawing/2014/main" id="{290AA9FF-A935-447B-AFF4-8CC68B28070A}"/>
+              </a:ext>
+            </a:extLst>
+          </p:cNvPr>
+          <p:cNvSpPr>
+            <a:spLocks noGrp="1"/>
+          </p:cNvSpPr>
+          <p:nvPr>
+            <p:ph idx="1"/>
+          </p:nvPr>
+        </p:nvSpPr>
+        <p:spPr/>
+        <p:txBody>
+          <a:bodyPr/>
+          <a:lstStyle/>
+          <a:p>
+            <a:endParaRPr lang="nl-NL"/>
+          </a:p>
+        </p:txBody>
+      </p:sp>
+      <p:pic>
+        <p:nvPicPr>
+          <p:cNvPr id="4" name="Afbeelding 3">
+            <a:extLst>
+              <a:ext uri="{FF2B5EF4-FFF2-40B4-BE49-F238E27FC236}">
+                <a16:creationId xmlns:a16="http://schemas.microsoft.com/office/drawing/2014/main" id="{07BBBD8A-822B-4553-A842-9671219D3155}"/>
+              </a:ext>
+            </a:extLst>
+          </p:cNvPr>
+          <p:cNvPicPr>
+            <a:picLocks noChangeAspect="1"/>
+          </p:cNvPicPr>
+          <p:nvPr/>
+        </p:nvPicPr>
+        <p:blipFill>
+          <a:blip r:embed="rId2"/>
+          <a:stretch>
+            <a:fillRect/>
+          </a:stretch>
+        </p:blipFill>
+        <p:spPr>
+          <a:xfrm>
+            <a:off x="0" y="285092"/>
+            <a:ext cx="12192000" cy="6287816"/>
+          </a:xfrm>
+          <a:prstGeom prst="rect">
+            <a:avLst/>
+          </a:prstGeom>
+        </p:spPr>
+      </p:pic>
+    </p:spTree>
+    <p:extLst>
+      <p:ext uri="{BB962C8B-B14F-4D97-AF65-F5344CB8AC3E}">
+        <p14:creationId xmlns:p14="http://schemas.microsoft.com/office/powerpoint/2010/main" val="1104858565"/>
+      </p:ext>
+    </p:extLst>
+  </p:cSld>
+  <p:clrMapOvr>
+    <a:masterClrMapping/>
+  </p:clrMapOvr>
+</p:sld>
+</file>
+
+<file path=ppt/slides/slide3.xml><?xml version="1.0" encoding="utf-8"?>
+<p:sld xmlns:a="http://schemas.openxmlformats.org/drawingml/2006/main" xmlns:r="http://schemas.openxmlformats.org/officeDocument/2006/relationships" xmlns:p="http://schemas.openxmlformats.org/presentationml/2006/main">
+  <p:cSld>
+    <p:spTree>
+      <p:nvGrpSpPr>
+        <p:cNvPr id="1" name=""/>
+        <p:cNvGrpSpPr/>
+        <p:nvPr/>
+      </p:nvGrpSpPr>
+      <p:grpSpPr>
+        <a:xfrm>
+          <a:off x="0" y="0"/>
+          <a:ext cx="0" cy="0"/>
+          <a:chOff x="0" y="0"/>
+          <a:chExt cx="0" cy="0"/>
+        </a:xfrm>
+      </p:grpSpPr>
+      <p:pic>
+        <p:nvPicPr>
+          <p:cNvPr id="4" name="Afbeelding 3">
+            <a:extLst>
+              <a:ext uri="{FF2B5EF4-FFF2-40B4-BE49-F238E27FC236}">
+                <a16:creationId xmlns:a16="http://schemas.microsoft.com/office/drawing/2014/main" id="{E0CDC8AA-F467-49C3-87D5-0E2DCE801D69}"/>
+              </a:ext>
+            </a:extLst>
+          </p:cNvPr>
+          <p:cNvPicPr>
+            <a:picLocks noChangeAspect="1"/>
+          </p:cNvPicPr>
+          <p:nvPr/>
+        </p:nvPicPr>
+        <p:blipFill>
+          <a:blip r:embed="rId2"/>
+          <a:stretch>
+            <a:fillRect/>
+          </a:stretch>
+        </p:blipFill>
+        <p:spPr>
+          <a:xfrm>
+            <a:off x="0" y="1410281"/>
+            <a:ext cx="12192000" cy="4037438"/>
+          </a:xfrm>
+          <a:prstGeom prst="rect">
+            <a:avLst/>
+          </a:prstGeom>
+        </p:spPr>
+      </p:pic>
+    </p:spTree>
+    <p:extLst>
+      <p:ext uri="{BB962C8B-B14F-4D97-AF65-F5344CB8AC3E}">
+        <p14:creationId xmlns:p14="http://schemas.microsoft.com/office/powerpoint/2010/main" val="211705509"/>
+      </p:ext>
+    </p:extLst>
+  </p:cSld>
+  <p:clrMapOvr>
+    <a:masterClrMapping/>
+  </p:clrMapOvr>
+</p:sld>
+</file>
+
+<file path=ppt/slides/slide4.xml><?xml version="1.0" encoding="utf-8"?>
+<p:sld xmlns:a="http://schemas.openxmlformats.org/drawingml/2006/main" xmlns:r="http://schemas.openxmlformats.org/officeDocument/2006/relationships" xmlns:p="http://schemas.openxmlformats.org/presentationml/2006/main">
+  <p:cSld>
+    <p:spTree>
+      <p:nvGrpSpPr>
+        <p:cNvPr id="1" name=""/>
+        <p:cNvGrpSpPr/>
+        <p:nvPr/>
+      </p:nvGrpSpPr>
+      <p:grpSpPr>
+        <a:xfrm>
+          <a:off x="0" y="0"/>
+          <a:ext cx="0" cy="0"/>
+          <a:chOff x="0" y="0"/>
+          <a:chExt cx="0" cy="0"/>
+        </a:xfrm>
+      </p:grpSpPr>
+      <p:sp>
+        <p:nvSpPr>
+          <p:cNvPr id="2" name="Titel 1">
+            <a:extLst>
+              <a:ext uri="{FF2B5EF4-FFF2-40B4-BE49-F238E27FC236}">
+                <a16:creationId xmlns:a16="http://schemas.microsoft.com/office/drawing/2014/main" id="{FF3B5565-0C9C-4327-9324-3AB2BD4309D1}"/>
+              </a:ext>
+            </a:extLst>
+          </p:cNvPr>
+          <p:cNvSpPr>
+            <a:spLocks noGrp="1"/>
+          </p:cNvSpPr>
+          <p:nvPr>
+            <p:ph type="title"/>
+          </p:nvPr>
+        </p:nvSpPr>
+        <p:spPr/>
+        <p:txBody>
+          <a:bodyPr/>
+          <a:lstStyle/>
+          <a:p>
+            <a:endParaRPr lang="nl-NL"/>
+          </a:p>
+        </p:txBody>
+      </p:sp>
+      <p:sp>
+        <p:nvSpPr>
+          <p:cNvPr id="3" name="Tijdelijke aanduiding voor inhoud 2">
+            <a:extLst>
+              <a:ext uri="{FF2B5EF4-FFF2-40B4-BE49-F238E27FC236}">
+                <a16:creationId xmlns:a16="http://schemas.microsoft.com/office/drawing/2014/main" id="{23D5282A-3BD2-4F80-B3BF-78E6F7289F4C}"/>
+              </a:ext>
+            </a:extLst>
+          </p:cNvPr>
+          <p:cNvSpPr>
+            <a:spLocks noGrp="1"/>
+          </p:cNvSpPr>
+          <p:nvPr>
+            <p:ph idx="1"/>
+          </p:nvPr>
+        </p:nvSpPr>
+        <p:spPr/>
+        <p:txBody>
+          <a:bodyPr/>
+          <a:lstStyle/>
+          <a:p>
+            <a:endParaRPr lang="nl-NL"/>
+          </a:p>
+        </p:txBody>
+      </p:sp>
+      <p:pic>
+        <p:nvPicPr>
+          <p:cNvPr id="4" name="Afbeelding 3">
+            <a:extLst>
+              <a:ext uri="{FF2B5EF4-FFF2-40B4-BE49-F238E27FC236}">
+                <a16:creationId xmlns:a16="http://schemas.microsoft.com/office/drawing/2014/main" id="{1DD82F26-DFFD-45A6-BFC4-F4E633F6A477}"/>
+              </a:ext>
+            </a:extLst>
+          </p:cNvPr>
+          <p:cNvPicPr>
+            <a:picLocks noChangeAspect="1"/>
+          </p:cNvPicPr>
+          <p:nvPr/>
+        </p:nvPicPr>
+        <p:blipFill>
+          <a:blip r:embed="rId2"/>
+          <a:stretch>
+            <a:fillRect/>
+          </a:stretch>
+        </p:blipFill>
+        <p:spPr>
+          <a:xfrm>
+            <a:off x="0" y="284356"/>
+            <a:ext cx="12192000" cy="6289288"/>
+          </a:xfrm>
+          <a:prstGeom prst="rect">
+            <a:avLst/>
+          </a:prstGeom>
+        </p:spPr>
+      </p:pic>
+    </p:spTree>
+    <p:extLst>
+      <p:ext uri="{BB962C8B-B14F-4D97-AF65-F5344CB8AC3E}">
+        <p14:creationId xmlns:p14="http://schemas.microsoft.com/office/powerpoint/2010/main" val="2834745306"/>
+      </p:ext>
+    </p:extLst>
+  </p:cSld>
+  <p:clrMapOvr>
+    <a:masterClrMapping/>
+  </p:clrMapOvr>
+</p:sld>
+</file>
+
+<file path=ppt/slides/slide5.xml><?xml version="1.0" encoding="utf-8"?>
+<p:sld xmlns:a="http://schemas.openxmlformats.org/drawingml/2006/main" xmlns:r="http://schemas.openxmlformats.org/officeDocument/2006/relationships" xmlns:p="http://schemas.openxmlformats.org/presentationml/2006/main">
+  <p:cSld>
+    <p:spTree>
+      <p:nvGrpSpPr>
+        <p:cNvPr id="1" name=""/>
+        <p:cNvGrpSpPr/>
+        <p:nvPr/>
+      </p:nvGrpSpPr>
+      <p:grpSpPr>
+        <a:xfrm>
+          <a:off x="0" y="0"/>
+          <a:ext cx="0" cy="0"/>
+          <a:chOff x="0" y="0"/>
+          <a:chExt cx="0" cy="0"/>
+        </a:xfrm>
+      </p:grpSpPr>
+      <p:sp>
+        <p:nvSpPr>
+          <p:cNvPr id="3" name="Tijdelijke aanduiding voor inhoud 2">
+            <a:extLst>
+              <a:ext uri="{FF2B5EF4-FFF2-40B4-BE49-F238E27FC236}">
+                <a16:creationId xmlns:a16="http://schemas.microsoft.com/office/drawing/2014/main" id="{5E5286AB-26E4-4473-B898-7E34AAD72680}"/>
+              </a:ext>
+            </a:extLst>
+          </p:cNvPr>
+          <p:cNvSpPr>
+            <a:spLocks noGrp="1"/>
+          </p:cNvSpPr>
+          <p:nvPr>
+            <p:ph idx="1"/>
+          </p:nvPr>
+        </p:nvSpPr>
+        <p:spPr>
+          <a:xfrm>
+            <a:off x="922090" y="223328"/>
+            <a:ext cx="10515600" cy="4351338"/>
+          </a:xfrm>
+        </p:spPr>
+        <p:txBody>
+          <a:bodyPr/>
+          <a:lstStyle/>
+          <a:p>
+            <a:r>
+              <a:rPr lang="nl-NL" dirty="0"/>
+              <a:t>Volgers: hebben bv. de trainingen gemist en hebben </a:t>
+            </a:r>
+            <a:r>
+              <a:rPr lang="nl-NL" dirty="0" err="1"/>
+              <a:t>belangstellling</a:t>
+            </a:r>
+            <a:endParaRPr lang="nl-NL" dirty="0"/>
+          </a:p>
+        </p:txBody>
+      </p:sp>
+      <p:pic>
+        <p:nvPicPr>
+          <p:cNvPr id="4" name="Afbeelding 3">
+            <a:extLst>
+              <a:ext uri="{FF2B5EF4-FFF2-40B4-BE49-F238E27FC236}">
+                <a16:creationId xmlns:a16="http://schemas.microsoft.com/office/drawing/2014/main" id="{70AACBA0-93BD-4DEB-A20F-6F6D245A827E}"/>
+              </a:ext>
+            </a:extLst>
+          </p:cNvPr>
+          <p:cNvPicPr>
+            <a:picLocks noChangeAspect="1"/>
+          </p:cNvPicPr>
+          <p:nvPr/>
+        </p:nvPicPr>
+        <p:blipFill>
+          <a:blip r:embed="rId2"/>
+          <a:stretch>
+            <a:fillRect/>
+          </a:stretch>
+        </p:blipFill>
+        <p:spPr>
+          <a:xfrm>
+            <a:off x="2171152" y="1252233"/>
+            <a:ext cx="7849695" cy="4353533"/>
+          </a:xfrm>
+          <a:prstGeom prst="rect">
+            <a:avLst/>
+          </a:prstGeom>
+        </p:spPr>
+      </p:pic>
+    </p:spTree>
+    <p:extLst>
+      <p:ext uri="{BB962C8B-B14F-4D97-AF65-F5344CB8AC3E}">
+        <p14:creationId xmlns:p14="http://schemas.microsoft.com/office/powerpoint/2010/main" val="2425385526"/>
+      </p:ext>
+    </p:extLst>
+  </p:cSld>
+  <p:clrMapOvr>
+    <a:masterClrMapping/>
+  </p:clrMapOvr>
+</p:sld>
+</file>
+
+<file path=ppt/slides/slide6.xml><?xml version="1.0" encoding="utf-8"?>
+<p:sld xmlns:a="http://schemas.openxmlformats.org/drawingml/2006/main" xmlns:r="http://schemas.openxmlformats.org/officeDocument/2006/relationships" xmlns:p="http://schemas.openxmlformats.org/presentationml/2006/main">
+  <p:cSld>
+    <p:spTree>
+      <p:nvGrpSpPr>
+        <p:cNvPr id="1" name=""/>
+        <p:cNvGrpSpPr/>
+        <p:nvPr/>
+      </p:nvGrpSpPr>
+      <p:grpSpPr>
+        <a:xfrm>
+          <a:off x="0" y="0"/>
+          <a:ext cx="0" cy="0"/>
+          <a:chOff x="0" y="0"/>
+          <a:chExt cx="0" cy="0"/>
+        </a:xfrm>
+      </p:grpSpPr>
+      <p:pic>
+        <p:nvPicPr>
+          <p:cNvPr id="4" name="Afbeelding 3">
+            <a:extLst>
+              <a:ext uri="{FF2B5EF4-FFF2-40B4-BE49-F238E27FC236}">
+                <a16:creationId xmlns:a16="http://schemas.microsoft.com/office/drawing/2014/main" id="{FEAB006E-D580-48CA-A56A-7670260881C0}"/>
+              </a:ext>
+            </a:extLst>
+          </p:cNvPr>
+          <p:cNvPicPr>
+            <a:picLocks noChangeAspect="1"/>
+          </p:cNvPicPr>
+          <p:nvPr/>
+        </p:nvPicPr>
+        <p:blipFill>
+          <a:blip r:embed="rId2"/>
+          <a:stretch>
+            <a:fillRect/>
+          </a:stretch>
+        </p:blipFill>
+        <p:spPr>
+          <a:xfrm>
+            <a:off x="3461970" y="1004549"/>
+            <a:ext cx="5268060" cy="4848902"/>
+          </a:xfrm>
+          <a:prstGeom prst="rect">
+            <a:avLst/>
+          </a:prstGeom>
+        </p:spPr>
+      </p:pic>
+    </p:spTree>
+    <p:extLst>
+      <p:ext uri="{BB962C8B-B14F-4D97-AF65-F5344CB8AC3E}">
+        <p14:creationId xmlns:p14="http://schemas.microsoft.com/office/powerpoint/2010/main" val="1642697572"/>
+      </p:ext>
+    </p:extLst>
+  </p:cSld>
+  <p:clrMapOvr>
+    <a:masterClrMapping/>
+  </p:clrMapOvr>
+</p:sld>
+</file>
+
+<file path=ppt/slides/slide7.xml><?xml version="1.0" encoding="utf-8"?>
+<p:sld xmlns:a="http://schemas.openxmlformats.org/drawingml/2006/main" xmlns:r="http://schemas.openxmlformats.org/officeDocument/2006/relationships" xmlns:p="http://schemas.openxmlformats.org/presentationml/2006/main">
+  <p:cSld>
+    <p:spTree>
+      <p:nvGrpSpPr>
+        <p:cNvPr id="1" name=""/>
+        <p:cNvGrpSpPr/>
+        <p:nvPr/>
+      </p:nvGrpSpPr>
+      <p:grpSpPr>
+        <a:xfrm>
+          <a:off x="0" y="0"/>
+          <a:ext cx="0" cy="0"/>
+          <a:chOff x="0" y="0"/>
+          <a:chExt cx="0" cy="0"/>
+        </a:xfrm>
+      </p:grpSpPr>
+      <p:pic>
+        <p:nvPicPr>
+          <p:cNvPr id="2" name="Afbeelding 1">
+            <a:extLst>
+              <a:ext uri="{FF2B5EF4-FFF2-40B4-BE49-F238E27FC236}">
+                <a16:creationId xmlns:a16="http://schemas.microsoft.com/office/drawing/2014/main" id="{F3151450-0256-4757-88E9-76AD1BEA0E05}"/>
+              </a:ext>
+            </a:extLst>
+          </p:cNvPr>
+          <p:cNvPicPr>
+            <a:picLocks noChangeAspect="1"/>
+          </p:cNvPicPr>
+          <p:nvPr/>
+        </p:nvPicPr>
+        <p:blipFill>
+          <a:blip r:embed="rId2"/>
+          <a:stretch>
+            <a:fillRect/>
+          </a:stretch>
+        </p:blipFill>
+        <p:spPr>
+          <a:xfrm>
+            <a:off x="151570" y="580627"/>
+            <a:ext cx="11888859" cy="5696745"/>
+          </a:xfrm>
+          <a:prstGeom prst="rect">
+            <a:avLst/>
+          </a:prstGeom>
+        </p:spPr>
+      </p:pic>
+    </p:spTree>
+    <p:extLst>
+      <p:ext uri="{BB962C8B-B14F-4D97-AF65-F5344CB8AC3E}">
+        <p14:creationId xmlns:p14="http://schemas.microsoft.com/office/powerpoint/2010/main" val="2980458370"/>
+      </p:ext>
+    </p:extLst>
+  </p:cSld>
+  <p:clrMapOvr>
+    <a:masterClrMapping/>
+  </p:clrMapOvr>
+</p:sld>
+</file>
+
+<file path=ppt/slides/slide8.xml><?xml version="1.0" encoding="utf-8"?>
+<p:sld xmlns:a="http://schemas.openxmlformats.org/drawingml/2006/main" xmlns:r="http://schemas.openxmlformats.org/officeDocument/2006/relationships" xmlns:p="http://schemas.openxmlformats.org/presentationml/2006/main">
+  <p:cSld>
+    <p:spTree>
+      <p:nvGrpSpPr>
+        <p:cNvPr id="1" name=""/>
+        <p:cNvGrpSpPr/>
+        <p:nvPr/>
+      </p:nvGrpSpPr>
+      <p:grpSpPr>
+        <a:xfrm>
+          <a:off x="0" y="0"/>
+          <a:ext cx="0" cy="0"/>
+          <a:chOff x="0" y="0"/>
+          <a:chExt cx="0" cy="0"/>
+        </a:xfrm>
+      </p:grpSpPr>
+    </p:spTree>
+    <p:extLst>
+      <p:ext uri="{BB962C8B-B14F-4D97-AF65-F5344CB8AC3E}">
+        <p14:creationId xmlns:p14="http://schemas.microsoft.com/office/powerpoint/2010/main" val="240596782"/>
+      </p:ext>
+    </p:extLst>
+  </p:cSld>
+  <p:clrMapOvr>
+    <a:masterClrMapping/>
+  </p:clrMapOvr>
+</p:sld>
+</file>
+
 <file path=ppt/theme/theme1.xml><?xml version="1.0" encoding="utf-8"?>
 <a:theme xmlns:a="http://schemas.openxmlformats.org/drawingml/2006/main" name="Kantoorthema">
   <a:themeElements>
